--- a/Documentation/SchemasBDD.pptx
+++ b/Documentation/SchemasBDD.pptx
@@ -3688,7 +3688,7 @@
         <p:spPr>
           <a:xfrm>
             <a:off x="4283968" y="2564904"/>
-            <a:ext cx="1872208" cy="936104"/>
+            <a:ext cx="1512168" cy="936104"/>
           </a:xfrm>
           <a:prstGeom prst="rect">
             <a:avLst/>
@@ -3729,7 +3729,7 @@
         <p:spPr>
           <a:xfrm>
             <a:off x="4283968" y="2852936"/>
-            <a:ext cx="1944216" cy="369332"/>
+            <a:ext cx="1584176" cy="369332"/>
           </a:xfrm>
           <a:prstGeom prst="rect">
             <a:avLst/>
@@ -3816,148 +3816,6 @@
             <a:r>
               <a:rPr lang="fr-FR" dirty="0" err="1" smtClean="0"/>
               <a:t>MessagesPropriété</a:t>
-            </a:r>
-            <a:endParaRPr lang="fr-FR" dirty="0"/>
-          </a:p>
-        </p:txBody>
-      </p:sp>
-      <p:sp>
-        <p:nvSpPr>
-          <p:cNvPr id="15" name="Rectangle 14"/>
-          <p:cNvSpPr/>
-          <p:nvPr/>
-        </p:nvSpPr>
-        <p:spPr>
-          <a:xfrm>
-            <a:off x="1115616" y="4581128"/>
-            <a:ext cx="1800200" cy="936104"/>
-          </a:xfrm>
-          <a:prstGeom prst="rect">
-            <a:avLst/>
-          </a:prstGeom>
-          <a:noFill/>
-        </p:spPr>
-        <p:style>
-          <a:lnRef idx="2">
-            <a:schemeClr val="accent1">
-              <a:shade val="50000"/>
-            </a:schemeClr>
-          </a:lnRef>
-          <a:fillRef idx="1">
-            <a:schemeClr val="accent1"/>
-          </a:fillRef>
-          <a:effectRef idx="0">
-            <a:schemeClr val="accent1"/>
-          </a:effectRef>
-          <a:fontRef idx="minor">
-            <a:schemeClr val="lt1"/>
-          </a:fontRef>
-        </p:style>
-        <p:txBody>
-          <a:bodyPr rtlCol="0" anchor="ctr"/>
-          <a:lstStyle/>
-          <a:p>
-            <a:pPr algn="ctr"/>
-            <a:endParaRPr lang="fr-FR"/>
-          </a:p>
-        </p:txBody>
-      </p:sp>
-      <p:sp>
-        <p:nvSpPr>
-          <p:cNvPr id="16" name="ZoneTexte 15"/>
-          <p:cNvSpPr txBox="1"/>
-          <p:nvPr/>
-        </p:nvSpPr>
-        <p:spPr>
-          <a:xfrm>
-            <a:off x="1187624" y="4869160"/>
-            <a:ext cx="1656184" cy="369332"/>
-          </a:xfrm>
-          <a:prstGeom prst="rect">
-            <a:avLst/>
-          </a:prstGeom>
-          <a:noFill/>
-        </p:spPr>
-        <p:txBody>
-          <a:bodyPr wrap="square" rtlCol="0">
-            <a:spAutoFit/>
-          </a:bodyPr>
-          <a:lstStyle/>
-          <a:p>
-            <a:r>
-              <a:rPr lang="fr-FR" dirty="0" err="1" smtClean="0"/>
-              <a:t>MessageInBox</a:t>
-            </a:r>
-            <a:endParaRPr lang="fr-FR" dirty="0"/>
-          </a:p>
-        </p:txBody>
-      </p:sp>
-      <p:sp>
-        <p:nvSpPr>
-          <p:cNvPr id="17" name="Rectangle 16"/>
-          <p:cNvSpPr/>
-          <p:nvPr/>
-        </p:nvSpPr>
-        <p:spPr>
-          <a:xfrm>
-            <a:off x="3491880" y="4581128"/>
-            <a:ext cx="1800200" cy="936104"/>
-          </a:xfrm>
-          <a:prstGeom prst="rect">
-            <a:avLst/>
-          </a:prstGeom>
-          <a:noFill/>
-        </p:spPr>
-        <p:style>
-          <a:lnRef idx="2">
-            <a:schemeClr val="accent1">
-              <a:shade val="50000"/>
-            </a:schemeClr>
-          </a:lnRef>
-          <a:fillRef idx="1">
-            <a:schemeClr val="accent1"/>
-          </a:fillRef>
-          <a:effectRef idx="0">
-            <a:schemeClr val="accent1"/>
-          </a:effectRef>
-          <a:fontRef idx="minor">
-            <a:schemeClr val="lt1"/>
-          </a:fontRef>
-        </p:style>
-        <p:txBody>
-          <a:bodyPr rtlCol="0" anchor="ctr"/>
-          <a:lstStyle/>
-          <a:p>
-            <a:pPr algn="ctr"/>
-            <a:endParaRPr lang="fr-FR"/>
-          </a:p>
-        </p:txBody>
-      </p:sp>
-      <p:sp>
-        <p:nvSpPr>
-          <p:cNvPr id="18" name="ZoneTexte 17"/>
-          <p:cNvSpPr txBox="1"/>
-          <p:nvPr/>
-        </p:nvSpPr>
-        <p:spPr>
-          <a:xfrm>
-            <a:off x="3563888" y="4869160"/>
-            <a:ext cx="1872208" cy="369332"/>
-          </a:xfrm>
-          <a:prstGeom prst="rect">
-            <a:avLst/>
-          </a:prstGeom>
-          <a:noFill/>
-        </p:spPr>
-        <p:txBody>
-          <a:bodyPr wrap="square" rtlCol="0">
-            <a:spAutoFit/>
-          </a:bodyPr>
-          <a:lstStyle/>
-          <a:p>
-            <a:r>
-              <a:rPr lang="fr-FR" dirty="0" err="1" smtClean="0"/>
-              <a:t>MessageOutBox</a:t>
             </a:r>
             <a:endParaRPr lang="fr-FR" dirty="0"/>
           </a:p>
